--- a/קבוצת התיאטרון הירושלמי.pptx
+++ b/קבוצת התיאטרון הירושלמי.pptx
@@ -107,6 +107,11 @@
       </a:defRPr>
     </a:lvl9pPr>
   </p:defaultTextStyle>
+  <p:extLst>
+    <p:ext uri="{EFAFB233-063F-42B5-8137-9DF3F51BA10A}">
+      <p15:sldGuideLst xmlns:p15="http://schemas.microsoft.com/office/powerpoint/2012/main"/>
+    </p:ext>
+  </p:extLst>
 </p:presentation>
 </file>
 
@@ -257,7 +262,7 @@
           <a:p>
             <a:fld id="{09FDC771-8F16-4E88-8A09-10AB8A3E8609}" type="datetimeFigureOut">
               <a:rPr lang="he-IL" smtClean="0"/>
-              <a:t>כ"ד/ניסן/תשפ"א</a:t>
+              <a:t>כ"ט/ניסן/תשפ"א</a:t>
             </a:fld>
             <a:endParaRPr lang="he-IL"/>
           </a:p>
@@ -455,7 +460,7 @@
           <a:p>
             <a:fld id="{09FDC771-8F16-4E88-8A09-10AB8A3E8609}" type="datetimeFigureOut">
               <a:rPr lang="he-IL" smtClean="0"/>
-              <a:t>כ"ד/ניסן/תשפ"א</a:t>
+              <a:t>כ"ט/ניסן/תשפ"א</a:t>
             </a:fld>
             <a:endParaRPr lang="he-IL"/>
           </a:p>
@@ -663,7 +668,7 @@
           <a:p>
             <a:fld id="{09FDC771-8F16-4E88-8A09-10AB8A3E8609}" type="datetimeFigureOut">
               <a:rPr lang="he-IL" smtClean="0"/>
-              <a:t>כ"ד/ניסן/תשפ"א</a:t>
+              <a:t>כ"ט/ניסן/תשפ"א</a:t>
             </a:fld>
             <a:endParaRPr lang="he-IL"/>
           </a:p>
@@ -861,7 +866,7 @@
           <a:p>
             <a:fld id="{09FDC771-8F16-4E88-8A09-10AB8A3E8609}" type="datetimeFigureOut">
               <a:rPr lang="he-IL" smtClean="0"/>
-              <a:t>כ"ד/ניסן/תשפ"א</a:t>
+              <a:t>כ"ט/ניסן/תשפ"א</a:t>
             </a:fld>
             <a:endParaRPr lang="he-IL"/>
           </a:p>
@@ -1136,7 +1141,7 @@
           <a:p>
             <a:fld id="{09FDC771-8F16-4E88-8A09-10AB8A3E8609}" type="datetimeFigureOut">
               <a:rPr lang="he-IL" smtClean="0"/>
-              <a:t>כ"ד/ניסן/תשפ"א</a:t>
+              <a:t>כ"ט/ניסן/תשפ"א</a:t>
             </a:fld>
             <a:endParaRPr lang="he-IL"/>
           </a:p>
@@ -1401,7 +1406,7 @@
           <a:p>
             <a:fld id="{09FDC771-8F16-4E88-8A09-10AB8A3E8609}" type="datetimeFigureOut">
               <a:rPr lang="he-IL" smtClean="0"/>
-              <a:t>כ"ד/ניסן/תשפ"א</a:t>
+              <a:t>כ"ט/ניסן/תשפ"א</a:t>
             </a:fld>
             <a:endParaRPr lang="he-IL"/>
           </a:p>
@@ -1813,7 +1818,7 @@
           <a:p>
             <a:fld id="{09FDC771-8F16-4E88-8A09-10AB8A3E8609}" type="datetimeFigureOut">
               <a:rPr lang="he-IL" smtClean="0"/>
-              <a:t>כ"ד/ניסן/תשפ"א</a:t>
+              <a:t>כ"ט/ניסן/תשפ"א</a:t>
             </a:fld>
             <a:endParaRPr lang="he-IL"/>
           </a:p>
@@ -1954,7 +1959,7 @@
           <a:p>
             <a:fld id="{09FDC771-8F16-4E88-8A09-10AB8A3E8609}" type="datetimeFigureOut">
               <a:rPr lang="he-IL" smtClean="0"/>
-              <a:t>כ"ד/ניסן/תשפ"א</a:t>
+              <a:t>כ"ט/ניסן/תשפ"א</a:t>
             </a:fld>
             <a:endParaRPr lang="he-IL"/>
           </a:p>
@@ -2067,7 +2072,7 @@
           <a:p>
             <a:fld id="{09FDC771-8F16-4E88-8A09-10AB8A3E8609}" type="datetimeFigureOut">
               <a:rPr lang="he-IL" smtClean="0"/>
-              <a:t>כ"ד/ניסן/תשפ"א</a:t>
+              <a:t>כ"ט/ניסן/תשפ"א</a:t>
             </a:fld>
             <a:endParaRPr lang="he-IL"/>
           </a:p>
@@ -2378,7 +2383,7 @@
           <a:p>
             <a:fld id="{09FDC771-8F16-4E88-8A09-10AB8A3E8609}" type="datetimeFigureOut">
               <a:rPr lang="he-IL" smtClean="0"/>
-              <a:t>כ"ד/ניסן/תשפ"א</a:t>
+              <a:t>כ"ט/ניסן/תשפ"א</a:t>
             </a:fld>
             <a:endParaRPr lang="he-IL"/>
           </a:p>
@@ -2666,7 +2671,7 @@
           <a:p>
             <a:fld id="{09FDC771-8F16-4E88-8A09-10AB8A3E8609}" type="datetimeFigureOut">
               <a:rPr lang="he-IL" smtClean="0"/>
-              <a:t>כ"ד/ניסן/תשפ"א</a:t>
+              <a:t>כ"ט/ניסן/תשפ"א</a:t>
             </a:fld>
             <a:endParaRPr lang="he-IL"/>
           </a:p>
@@ -2907,7 +2912,7 @@
           <a:p>
             <a:fld id="{09FDC771-8F16-4E88-8A09-10AB8A3E8609}" type="datetimeFigureOut">
               <a:rPr lang="he-IL" smtClean="0"/>
-              <a:t>כ"ד/ניסן/תשפ"א</a:t>
+              <a:t>כ"ט/ניסן/תשפ"א</a:t>
             </a:fld>
             <a:endParaRPr lang="he-IL"/>
           </a:p>
@@ -3646,7 +3651,7 @@
         </p:spPr>
         <p:txBody>
           <a:bodyPr>
-            <a:normAutofit fontScale="92500" lnSpcReduction="10000"/>
+            <a:normAutofit lnSpcReduction="10000"/>
           </a:bodyPr>
           <a:lstStyle/>
           <a:p>
@@ -3668,7 +3673,7 @@
             </a:r>
             <a:r>
               <a:rPr lang="en-US" dirty="0"/>
-              <a:t>windows7-10,linux Debian/ubuntu,ios7-14 </a:t>
+              <a:t>windows 7-10</a:t>
             </a:r>
             <a:endParaRPr lang="he-IL" dirty="0"/>
           </a:p>
@@ -3679,7 +3684,7 @@
             </a:r>
             <a:r>
               <a:rPr lang="en-US" dirty="0"/>
-              <a:t>safari, IE, edge</a:t>
+              <a:t> edge</a:t>
             </a:r>
             <a:r>
               <a:rPr lang="he-IL" dirty="0"/>
@@ -3687,19 +3692,11 @@
             </a:r>
             <a:r>
               <a:rPr lang="en-US" dirty="0"/>
-              <a:t>chrome, </a:t>
-            </a:r>
-            <a:r>
-              <a:rPr lang="en-US" dirty="0" err="1"/>
-              <a:t>firefox</a:t>
-            </a:r>
-            <a:r>
-              <a:rPr lang="en-US" dirty="0"/>
-              <a:t> </a:t>
+              <a:t>chrome</a:t>
             </a:r>
             <a:r>
               <a:rPr lang="he-IL" dirty="0"/>
-              <a:t> בגרסה.</a:t>
+              <a:t>.</a:t>
             </a:r>
           </a:p>
           <a:p>
@@ -3785,25 +3782,13 @@
             </a:pPr>
             <a:r>
               <a:rPr lang="he-IL" dirty="0"/>
-              <a:t> לכל הפקה מוגדר מראש תקציב (דינאמי) </a:t>
-            </a:r>
-          </a:p>
-          <a:p>
-            <a:pPr marL="0" indent="0">
-              <a:buNone/>
-            </a:pPr>
-            <a:r>
-              <a:rPr lang="he-IL" dirty="0"/>
-              <a:t>שינויים ב </a:t>
-            </a:r>
-            <a:r>
-              <a:rPr lang="en-US" dirty="0"/>
-              <a:t>Data Base</a:t>
-            </a:r>
-            <a:r>
-              <a:rPr lang="he-IL" dirty="0"/>
-              <a:t> יוצגו מידית באתר.</a:t>
-            </a:r>
+              <a:t> האתר יתמוך בעד 100 משתמשים </a:t>
+            </a:r>
+            <a:r>
+              <a:rPr lang="he-IL"/>
+              <a:t>בו זמנית.</a:t>
+            </a:r>
+            <a:endParaRPr lang="he-IL" dirty="0"/>
           </a:p>
           <a:p>
             <a:endParaRPr lang="he-IL" dirty="0"/>
